--- a/씨젠/무진형/[Stomach 53WSI] Patch 현황 분석.pptx
+++ b/씨젠/무진형/[Stomach 53WSI] Patch 현황 분석.pptx
@@ -225,7 +225,7 @@
           <a:p>
             <a:fld id="{84471A2B-B7F2-4270-A962-7D58DF9DD5CB}" type="datetimeFigureOut">
               <a:rPr lang="ko-KR" altLang="en-US" smtClean="0"/>
-              <a:t>2023-02-03</a:t>
+              <a:t>2023-02-19</a:t>
             </a:fld>
             <a:endParaRPr lang="ko-KR" altLang="en-US"/>
           </a:p>
@@ -959,7 +959,7 @@
           <a:p>
             <a:fld id="{237181CC-FF50-46ED-9C9D-436857B3C50B}" type="datetimeFigureOut">
               <a:rPr lang="ko-KR" altLang="en-US" smtClean="0"/>
-              <a:t>2023-02-03</a:t>
+              <a:t>2023-02-19</a:t>
             </a:fld>
             <a:endParaRPr lang="ko-KR" altLang="en-US"/>
           </a:p>
@@ -1129,7 +1129,7 @@
           <a:p>
             <a:fld id="{237181CC-FF50-46ED-9C9D-436857B3C50B}" type="datetimeFigureOut">
               <a:rPr lang="ko-KR" altLang="en-US" smtClean="0"/>
-              <a:t>2023-02-03</a:t>
+              <a:t>2023-02-19</a:t>
             </a:fld>
             <a:endParaRPr lang="ko-KR" altLang="en-US"/>
           </a:p>
@@ -1309,7 +1309,7 @@
           <a:p>
             <a:fld id="{237181CC-FF50-46ED-9C9D-436857B3C50B}" type="datetimeFigureOut">
               <a:rPr lang="ko-KR" altLang="en-US" smtClean="0"/>
-              <a:t>2023-02-03</a:t>
+              <a:t>2023-02-19</a:t>
             </a:fld>
             <a:endParaRPr lang="ko-KR" altLang="en-US"/>
           </a:p>
@@ -1479,7 +1479,7 @@
           <a:p>
             <a:fld id="{237181CC-FF50-46ED-9C9D-436857B3C50B}" type="datetimeFigureOut">
               <a:rPr lang="ko-KR" altLang="en-US" smtClean="0"/>
-              <a:t>2023-02-03</a:t>
+              <a:t>2023-02-19</a:t>
             </a:fld>
             <a:endParaRPr lang="ko-KR" altLang="en-US"/>
           </a:p>
@@ -1723,7 +1723,7 @@
           <a:p>
             <a:fld id="{237181CC-FF50-46ED-9C9D-436857B3C50B}" type="datetimeFigureOut">
               <a:rPr lang="ko-KR" altLang="en-US" smtClean="0"/>
-              <a:t>2023-02-03</a:t>
+              <a:t>2023-02-19</a:t>
             </a:fld>
             <a:endParaRPr lang="ko-KR" altLang="en-US"/>
           </a:p>
@@ -1955,7 +1955,7 @@
           <a:p>
             <a:fld id="{237181CC-FF50-46ED-9C9D-436857B3C50B}" type="datetimeFigureOut">
               <a:rPr lang="ko-KR" altLang="en-US" smtClean="0"/>
-              <a:t>2023-02-03</a:t>
+              <a:t>2023-02-19</a:t>
             </a:fld>
             <a:endParaRPr lang="ko-KR" altLang="en-US"/>
           </a:p>
@@ -2322,7 +2322,7 @@
           <a:p>
             <a:fld id="{237181CC-FF50-46ED-9C9D-436857B3C50B}" type="datetimeFigureOut">
               <a:rPr lang="ko-KR" altLang="en-US" smtClean="0"/>
-              <a:t>2023-02-03</a:t>
+              <a:t>2023-02-19</a:t>
             </a:fld>
             <a:endParaRPr lang="ko-KR" altLang="en-US"/>
           </a:p>
@@ -2440,7 +2440,7 @@
           <a:p>
             <a:fld id="{237181CC-FF50-46ED-9C9D-436857B3C50B}" type="datetimeFigureOut">
               <a:rPr lang="ko-KR" altLang="en-US" smtClean="0"/>
-              <a:t>2023-02-03</a:t>
+              <a:t>2023-02-19</a:t>
             </a:fld>
             <a:endParaRPr lang="ko-KR" altLang="en-US"/>
           </a:p>
@@ -2535,7 +2535,7 @@
           <a:p>
             <a:fld id="{237181CC-FF50-46ED-9C9D-436857B3C50B}" type="datetimeFigureOut">
               <a:rPr lang="ko-KR" altLang="en-US" smtClean="0"/>
-              <a:t>2023-02-03</a:t>
+              <a:t>2023-02-19</a:t>
             </a:fld>
             <a:endParaRPr lang="ko-KR" altLang="en-US"/>
           </a:p>
@@ -2812,7 +2812,7 @@
           <a:p>
             <a:fld id="{237181CC-FF50-46ED-9C9D-436857B3C50B}" type="datetimeFigureOut">
               <a:rPr lang="ko-KR" altLang="en-US" smtClean="0"/>
-              <a:t>2023-02-03</a:t>
+              <a:t>2023-02-19</a:t>
             </a:fld>
             <a:endParaRPr lang="ko-KR" altLang="en-US"/>
           </a:p>
@@ -3069,7 +3069,7 @@
           <a:p>
             <a:fld id="{237181CC-FF50-46ED-9C9D-436857B3C50B}" type="datetimeFigureOut">
               <a:rPr lang="ko-KR" altLang="en-US" smtClean="0"/>
-              <a:t>2023-02-03</a:t>
+              <a:t>2023-02-19</a:t>
             </a:fld>
             <a:endParaRPr lang="ko-KR" altLang="en-US"/>
           </a:p>
@@ -3282,7 +3282,7 @@
           <a:p>
             <a:fld id="{237181CC-FF50-46ED-9C9D-436857B3C50B}" type="datetimeFigureOut">
               <a:rPr lang="ko-KR" altLang="en-US" smtClean="0"/>
-              <a:t>2023-02-03</a:t>
+              <a:t>2023-02-19</a:t>
             </a:fld>
             <a:endParaRPr lang="ko-KR" altLang="en-US"/>
           </a:p>
@@ -4576,7 +4576,7 @@
           <p:nvPr>
             <p:extLst>
               <p:ext uri="{D42A27DB-BD31-4B8C-83A1-F6EECF244321}">
-                <p14:modId xmlns:p14="http://schemas.microsoft.com/office/powerpoint/2010/main" val="456853119"/>
+                <p14:modId xmlns:p14="http://schemas.microsoft.com/office/powerpoint/2010/main" val="3921417231"/>
               </p:ext>
             </p:extLst>
           </p:nvPr>
@@ -5118,15 +5118,15 @@
                     <a:p>
                       <a:pPr algn="ctr" fontAlgn="ctr"/>
                       <a:r>
-                        <a:rPr lang="en-US" altLang="ko-KR" sz="1300" b="0" i="0" u="none" strike="noStrike" dirty="0">
+                        <a:rPr lang="en-US" altLang="ko-KR" sz="1300" b="1" i="0" u="none" strike="noStrike" dirty="0">
                           <a:solidFill>
-                            <a:schemeClr val="tx1"/>
+                            <a:srgbClr val="FF0000"/>
                           </a:solidFill>
                           <a:effectLst/>
                           <a:latin typeface="맑은 고딕" panose="020B0503020000020004" pitchFamily="50" charset="-127"/>
                           <a:ea typeface="맑은 고딕" panose="020B0503020000020004" pitchFamily="50" charset="-127"/>
                         </a:rPr>
-                        <a:t>1715</a:t>
+                        <a:t>776</a:t>
                       </a:r>
                     </a:p>
                   </a:txBody>
@@ -5236,15 +5236,15 @@
                     <a:p>
                       <a:pPr algn="ctr" fontAlgn="ctr"/>
                       <a:r>
-                        <a:rPr lang="en-US" altLang="ko-KR" sz="1300" b="0" i="0" u="none" strike="noStrike" dirty="0">
+                        <a:rPr lang="en-US" altLang="ko-KR" sz="1300" b="1" i="0" u="none" strike="noStrike" dirty="0">
                           <a:solidFill>
-                            <a:schemeClr val="tx1"/>
+                            <a:srgbClr val="FF0000"/>
                           </a:solidFill>
                           <a:effectLst/>
                           <a:latin typeface="맑은 고딕" panose="020B0503020000020004" pitchFamily="50" charset="-127"/>
                           <a:ea typeface="맑은 고딕" panose="020B0503020000020004" pitchFamily="50" charset="-127"/>
                         </a:rPr>
-                        <a:t>2020</a:t>
+                        <a:t>1081</a:t>
                       </a:r>
                     </a:p>
                   </a:txBody>
@@ -5372,15 +5372,15 @@
                     <a:p>
                       <a:pPr algn="ctr" fontAlgn="ctr"/>
                       <a:r>
-                        <a:rPr lang="en-US" altLang="ko-KR" sz="1300" b="0" i="0" u="none" strike="noStrike" dirty="0">
+                        <a:rPr lang="en-US" altLang="ko-KR" sz="1300" b="1" i="0" u="none" strike="noStrike" dirty="0">
                           <a:solidFill>
-                            <a:schemeClr val="tx1"/>
+                            <a:srgbClr val="FF0000"/>
                           </a:solidFill>
                           <a:effectLst/>
                           <a:latin typeface="맑은 고딕" panose="020B0503020000020004" pitchFamily="50" charset="-127"/>
                           <a:ea typeface="맑은 고딕" panose="020B0503020000020004" pitchFamily="50" charset="-127"/>
                         </a:rPr>
-                        <a:t>1364</a:t>
+                        <a:t>2304</a:t>
                       </a:r>
                     </a:p>
                   </a:txBody>
@@ -5395,6 +5395,65 @@
                       <a:tailEnd type="none" w="med" len="med"/>
                     </a:lnL>
                     <a:lnR w="12700" cap="flat" cmpd="sng" algn="ctr">
+                      <a:solidFill>
+                        <a:schemeClr val="tx1"/>
+                      </a:solidFill>
+                      <a:prstDash val="solid"/>
+                      <a:round/>
+                      <a:headEnd type="none" w="med" len="med"/>
+                      <a:tailEnd type="none" w="med" len="med"/>
+                    </a:lnR>
+                    <a:lnT w="12700" cap="flat" cmpd="sng" algn="ctr">
+                      <a:solidFill>
+                        <a:schemeClr val="tx1"/>
+                      </a:solidFill>
+                      <a:prstDash val="solid"/>
+                      <a:round/>
+                      <a:headEnd type="none" w="med" len="med"/>
+                      <a:tailEnd type="none" w="med" len="med"/>
+                    </a:lnT>
+                    <a:lnB w="19050" cap="flat" cmpd="sng" algn="ctr">
+                      <a:solidFill>
+                        <a:schemeClr val="tx1"/>
+                      </a:solidFill>
+                      <a:prstDash val="solid"/>
+                      <a:round/>
+                      <a:headEnd type="none" w="med" len="med"/>
+                      <a:tailEnd type="none" w="med" len="med"/>
+                    </a:lnB>
+                    <a:noFill/>
+                  </a:tcPr>
+                </a:tc>
+                <a:tc>
+                  <a:txBody>
+                    <a:bodyPr/>
+                    <a:lstStyle/>
+                    <a:p>
+                      <a:pPr algn="ctr" fontAlgn="ctr"/>
+                      <a:r>
+                        <a:rPr lang="en-US" altLang="ko-KR" sz="1300" b="1" i="0" u="none" strike="noStrike" dirty="0">
+                          <a:solidFill>
+                            <a:srgbClr val="FF0000"/>
+                          </a:solidFill>
+                          <a:effectLst/>
+                          <a:latin typeface="맑은 고딕" panose="020B0503020000020004" pitchFamily="50" charset="-127"/>
+                          <a:ea typeface="맑은 고딕" panose="020B0503020000020004" pitchFamily="50" charset="-127"/>
+                        </a:rPr>
+                        <a:t>11393</a:t>
+                      </a:r>
+                    </a:p>
+                  </a:txBody>
+                  <a:tcPr marL="9461" marR="9461" marT="9461" marB="0" anchor="ctr">
+                    <a:lnL w="12700" cap="flat" cmpd="sng" algn="ctr">
+                      <a:solidFill>
+                        <a:schemeClr val="tx1"/>
+                      </a:solidFill>
+                      <a:prstDash val="solid"/>
+                      <a:round/>
+                      <a:headEnd type="none" w="med" len="med"/>
+                      <a:tailEnd type="none" w="med" len="med"/>
+                    </a:lnL>
+                    <a:lnR w="19050" cap="flat" cmpd="sng" algn="ctr">
                       <a:solidFill>
                         <a:schemeClr val="tx1"/>
                       </a:solidFill>
@@ -5439,66 +5498,7 @@
                           <a:latin typeface="맑은 고딕" panose="020B0503020000020004" pitchFamily="50" charset="-127"/>
                           <a:ea typeface="맑은 고딕" panose="020B0503020000020004" pitchFamily="50" charset="-127"/>
                         </a:rPr>
-                        <a:t>11394</a:t>
-                      </a:r>
-                    </a:p>
-                  </a:txBody>
-                  <a:tcPr marL="9461" marR="9461" marT="9461" marB="0" anchor="ctr">
-                    <a:lnL w="12700" cap="flat" cmpd="sng" algn="ctr">
-                      <a:solidFill>
-                        <a:schemeClr val="tx1"/>
-                      </a:solidFill>
-                      <a:prstDash val="solid"/>
-                      <a:round/>
-                      <a:headEnd type="none" w="med" len="med"/>
-                      <a:tailEnd type="none" w="med" len="med"/>
-                    </a:lnL>
-                    <a:lnR w="19050" cap="flat" cmpd="sng" algn="ctr">
-                      <a:solidFill>
-                        <a:schemeClr val="tx1"/>
-                      </a:solidFill>
-                      <a:prstDash val="solid"/>
-                      <a:round/>
-                      <a:headEnd type="none" w="med" len="med"/>
-                      <a:tailEnd type="none" w="med" len="med"/>
-                    </a:lnR>
-                    <a:lnT w="12700" cap="flat" cmpd="sng" algn="ctr">
-                      <a:solidFill>
-                        <a:schemeClr val="tx1"/>
-                      </a:solidFill>
-                      <a:prstDash val="solid"/>
-                      <a:round/>
-                      <a:headEnd type="none" w="med" len="med"/>
-                      <a:tailEnd type="none" w="med" len="med"/>
-                    </a:lnT>
-                    <a:lnB w="19050" cap="flat" cmpd="sng" algn="ctr">
-                      <a:solidFill>
-                        <a:schemeClr val="tx1"/>
-                      </a:solidFill>
-                      <a:prstDash val="solid"/>
-                      <a:round/>
-                      <a:headEnd type="none" w="med" len="med"/>
-                      <a:tailEnd type="none" w="med" len="med"/>
-                    </a:lnB>
-                    <a:noFill/>
-                  </a:tcPr>
-                </a:tc>
-                <a:tc>
-                  <a:txBody>
-                    <a:bodyPr/>
-                    <a:lstStyle/>
-                    <a:p>
-                      <a:pPr algn="ctr" fontAlgn="ctr"/>
-                      <a:r>
-                        <a:rPr lang="en-US" altLang="ko-KR" sz="1300" b="0" i="0" u="none" strike="noStrike" dirty="0">
-                          <a:solidFill>
-                            <a:schemeClr val="tx1"/>
-                          </a:solidFill>
-                          <a:effectLst/>
-                          <a:latin typeface="맑은 고딕" panose="020B0503020000020004" pitchFamily="50" charset="-127"/>
-                          <a:ea typeface="맑은 고딕" panose="020B0503020000020004" pitchFamily="50" charset="-127"/>
-                        </a:rPr>
-                        <a:t>12758</a:t>
+                        <a:t>13697</a:t>
                       </a:r>
                     </a:p>
                   </a:txBody>
@@ -5623,7 +5623,7 @@
                           <a:latin typeface="맑은 고딕" panose="020B0503020000020004" pitchFamily="50" charset="-127"/>
                           <a:ea typeface="맑은 고딕" panose="020B0503020000020004" pitchFamily="50" charset="-127"/>
                         </a:rPr>
-                        <a:t>3079</a:t>
+                        <a:t>3080</a:t>
                       </a:r>
                     </a:p>
                   </a:txBody>
@@ -5674,15 +5674,15 @@
                     <a:p>
                       <a:pPr algn="ctr" fontAlgn="ctr"/>
                       <a:r>
-                        <a:rPr lang="en-US" altLang="ko-KR" sz="1300" b="0" i="0" u="none" strike="noStrike" dirty="0">
+                        <a:rPr lang="en-US" altLang="ko-KR" sz="1300" b="1" i="0" u="none" strike="noStrike" dirty="0">
                           <a:solidFill>
-                            <a:schemeClr val="tx1"/>
+                            <a:srgbClr val="FF0000"/>
                           </a:solidFill>
                           <a:effectLst/>
                           <a:latin typeface="맑은 고딕" panose="020B0503020000020004" pitchFamily="50" charset="-127"/>
                           <a:ea typeface="맑은 고딕" panose="020B0503020000020004" pitchFamily="50" charset="-127"/>
                         </a:rPr>
-                        <a:t>11699</a:t>
+                        <a:t>11698</a:t>
                       </a:r>
                     </a:p>
                   </a:txBody>
